--- a/PPTs/.pptx
+++ b/PPTs/.pptx
@@ -13,6 +13,8 @@
     <p:sldId id="261" r:id="rId12"/>
     <p:sldId id="262" r:id="rId13"/>
     <p:sldId id="263" r:id="rId14"/>
+    <p:sldId id="264" r:id="rId15"/>
+    <p:sldId id="265" r:id="rId16"/>
   </p:sldIdLst>
   <p:sldSz cx="9144000" cy="6858000" type="screen4x3"/>
   <p:notesSz cx="6858000" cy="9144000"/>
@@ -3111,7 +3113,7 @@
           <a:lstStyle/>
           <a:p>
             <a:r>
-              <a:t>Biofabrication and its in\xc2\xa0vitro toxicity mechanism of silver nanoparticles using Bruguiera cylindrica leaf extract\r\n\r\n</a:t>
+              <a:t>Robust speaker localization for real-world robots </a:t>
             </a:r>
           </a:p>
         </p:txBody>
@@ -3130,6 +3132,67 @@
         <p:txBody>
           <a:bodyPr/>
           <a:lstStyle/>
+          <a:p/>
+        </p:txBody>
+      </p:sp>
+    </p:spTree>
+  </p:cSld>
+  <p:clrMapOvr>
+    <a:masterClrMapping/>
+  </p:clrMapOvr>
+</p:sld>
+</file>
+
+<file path=ppt/slides/slide10.xml><?xml version="1.0" encoding="utf-8"?>
+<p:sld xmlns:a="http://schemas.openxmlformats.org/drawingml/2006/main" xmlns:p="http://schemas.openxmlformats.org/presentationml/2006/main" xmlns:r="http://schemas.openxmlformats.org/officeDocument/2006/relationships">
+  <p:cSld>
+    <p:spTree>
+      <p:nvGrpSpPr>
+        <p:cNvPr id="1" name=""/>
+        <p:cNvGrpSpPr/>
+        <p:nvPr/>
+      </p:nvGrpSpPr>
+      <p:grpSpPr/>
+      <p:sp>
+        <p:nvSpPr>
+          <p:cNvPr id="2" name="Title 1"/>
+          <p:cNvSpPr>
+            <a:spLocks noGrp="1"/>
+          </p:cNvSpPr>
+          <p:nvPr>
+            <p:ph type="title"/>
+          </p:nvPr>
+        </p:nvSpPr>
+        <p:spPr/>
+        <p:txBody>
+          <a:bodyPr/>
+          <a:lstStyle/>
+          <a:p>
+            <a:r>
+              <a:t>ACKNOWLEDGMENTS</a:t>
+            </a:r>
+          </a:p>
+        </p:txBody>
+      </p:sp>
+      <p:sp>
+        <p:nvSpPr>
+          <p:cNvPr id="3" name="Content Placeholder 2"/>
+          <p:cNvSpPr>
+            <a:spLocks noGrp="1"/>
+          </p:cNvSpPr>
+          <p:nvPr>
+            <p:ph idx="1"/>
+          </p:nvPr>
+        </p:nvSpPr>
+        <p:spPr/>
+        <p:txBody>
+          <a:bodyPr/>
+          <a:lstStyle/>
+          <a:p>
+            <a:r>
+              <a:t>This research work was carried out at the Department of Electronics and Informatics (ETRO), Vrije Universiteit Brussel</a:t>
+            </a:r>
+          </a:p>
           <a:p/>
         </p:txBody>
       </p:sp>
@@ -3188,7 +3251,7 @@
           <a:lstStyle/>
           <a:p>
             <a:r>
-              <a:t>Biofabrication and its in\xc2\xa0vitro toxicity mechanism of silver nanoparticles using Bruguiera cylindrica leaf extract\r\n\r\n</a:t>
+              <a:t>Robust speaker localization for real-world robots </a:t>
             </a:r>
           </a:p>
         </p:txBody>
@@ -3248,27 +3311,32 @@
           <a:lstStyle/>
           <a:p>
             <a:r>
-              <a:t>\r\n\r\n\r\n \r\n \r\n \r\n \r\n \r\n \r\n AgNPs were synthesized using Bruguiera cylindrica extract as reducing agent</a:t>
-            </a:r>
-          </a:p>
-          <a:p>
-            <a:r>
-              <a:t>\r\n\r\n\r\n \r\n \r\n \r\n Green synthesis of AgNPs is a simple, economic and by eco-friendly approach</a:t>
-            </a:r>
-          </a:p>
-          <a:p>
-            <a:r>
-              <a:t>\r\n\r\n\r\n \r\n \r\n \r\n Hexagonal AgNPs were derived</a:t>
-            </a:r>
-          </a:p>
-          <a:p>
-            <a:r>
-              <a:t>\r\n\r\n\r\n \r\n \r\n \r\n AgNPs shows good cytotoxic effect against MCF-7 breast cancer cell lines</a:t>
-            </a:r>
-          </a:p>
-          <a:p>
-            <a:r>
-              <a:t>\r\n\r\n\r\n \r\n \r\n \r\n \r\n \r\n\r\n</a:t>
+              <a:t> We look at the acoustic localization for real-world robots and conditions</a:t>
+            </a:r>
+          </a:p>
+          <a:p>
+            <a:r>
+              <a:t> We investigate the role of the microphones characteristics in the acoustic localization</a:t>
+            </a:r>
+          </a:p>
+          <a:p>
+            <a:r>
+              <a:t> We propose a time delay estimation smoothing which is based on the signal properties</a:t>
+            </a:r>
+          </a:p>
+          <a:p>
+            <a:r>
+              <a:t> We formulate a framework for addressing the robot's shape and surface material influence in the acoustic localization</a:t>
+            </a:r>
+          </a:p>
+          <a:p>
+            <a:r>
+              <a:t> We propose a pre-processing approach for enhancing the acoustic localization performance</a:t>
+            </a:r>
+          </a:p>
+          <a:p>
+            <a:r>
+              <a:t> </a:t>
             </a:r>
           </a:p>
         </p:txBody>
@@ -3328,7 +3396,7 @@
           <a:lstStyle/>
           <a:p>
             <a:r>
-              <a:t>\r\n\r\nGreen synthesis\r\n\r\n\r\n\r\n\r\n Bruguiera cylindrica\r\n\r\n\r\n\r\n\r\n \r\n\r\nSurface plasmon resonance\r\n\r\nCell line culture\r\n\r\n</a:t>
+              <a:t> Microphone arrays Acoustic localization Time delay estimation Steered response power Phase spectrum enhancement </a:t>
             </a:r>
           </a:p>
         </p:txBody>
@@ -3388,17 +3456,12 @@
           <a:lstStyle/>
           <a:p>
             <a:r>
-              <a:t>\r\n\r\n\r\n \r\n \r\n Silver nanoparticles (AgNPs) were synthesized using Bruguiera cylindrica (B</a:t>
-            </a:r>
-          </a:p>
-          <a:p>
-            <a:r>
-              <a:t> cylindrica) leaf extract, the extract was acted as a reducing and stabilizing agent</a:t>
-            </a:r>
-          </a:p>
-          <a:p>
-            <a:r>
-              <a:t> The X-ray diffraction (XRD) analysis shows that the particles are face centered cubic (fcc) structure and average size of AgNPs was found at 16\xc2\xa0nm</a:t>
+              <a:t>Autonomous humanrobot interaction ultimately requires an artificial audition module that allows the robot to process and interpret a combination of verbal and non-verbal auditory inputs</a:t>
+            </a:r>
+          </a:p>
+          <a:p>
+            <a:r>
+              <a:t> Results show that the proposed approach improves the localization performance in joint noisy and reverberant conditions and allows a humanoid robot to locate multiple speakers in a real-world environment</a:t>
             </a:r>
           </a:p>
           <a:p/>
@@ -3459,64 +3522,65 @@
           <a:lstStyle/>
           <a:p>
             <a:r>
-              <a:t>\r\n\r\nNanotechnology is the engineering of functional systems at the nano scale level with multi-disciplinary areas of applied science and engineering</a:t>
-            </a:r>
-          </a:p>
-          <a:p>
-            <a:r>
-              <a:t> But they are having some limitations in their synthesis and application aspects [6,7]</a:t>
-            </a:r>
-          </a:p>
-          <a:p>
-            <a:r>
-              <a:t> The present study has aimed to synthesis, characterization and cytotoxic effect of green AgNPs using B</a:t>
-            </a:r>
-          </a:p>
-          <a:p>
-            <a:r>
-              <a:t> cylindrica leaf extract</a:t>
-            </a:r>
-          </a:p>
-          <a:p>
-            <a:r>
-              <a:t>\r\n\r\nMatured fresh leaves of B</a:t>
-            </a:r>
-          </a:p>
-          <a:p>
-            <a:r>
-              <a:t> cylindrica were collected from Pichavaram Mangrove forest, Tamil Nadu, India</a:t>
-            </a:r>
-          </a:p>
-          <a:p>
-            <a:r>
-              <a:t> The fully dried leaves were powdered with a sterile electric blender</a:t>
-            </a:r>
-          </a:p>
-          <a:p>
-            <a:r>
-              <a:t> 2\xc2\xa0ml of B</a:t>
-            </a:r>
-          </a:p>
-          <a:p>
-            <a:r>
-              <a:t> cylindrica leaf extract was added to 20\xc2\xa0ml of AgNO3 solution and kept at room temperature [17]</a:t>
-            </a:r>
-          </a:p>
-          <a:p>
-            <a:r>
-              <a:t>\r\n\r\nThe absorption spectrum of the reaction mixture was recorded at room temperature using UV\xe2\x80\x93vis spectrophotometer (Hitachi-U-2001) from 300 to 800\xc2\xa0\xc2\xa0nm at 1\xc2\xa0nm resolution for detection of AgNPs formation</a:t>
-            </a:r>
-          </a:p>
-          <a:p>
-            <a:r>
-              <a:t> The size distribution and shape of NPs were estimated on the basis of TEM micrographs</a:t>
-            </a:r>
-          </a:p>
-          <a:p>
-            <a:r>
-              <a:t> The percentage of viability was calculated by using the following formula,\r\n \r\n \r\n \r\n Percentage\r\n \r\n of\r\n \r\n viability\r\n =\r\n \r\n \r\n Sample\r\n \r\n absorbance\r\n \r\n \r\n (\r\n AgNPs\r\n )\r\n \r\n \r\n \r\n Control\r\n \r\n absorbance\r\n \r\n \r\n (\r\n untreated\r\n )\r\n \r\n \r\n \r\n \xc3\x97\r\n 100\r\n \r\n \r\n \r\n \r\n \r\n\r\n</a:t>
-            </a:r>
-          </a:p>
+              <a:t>In humanrobot Interaction (HRI) auditory information can contribute to resolve complex problems such as the focus of attention, activity recognition, etc</a:t>
+            </a:r>
+          </a:p>
+          <a:p>
+            <a:r>
+              <a:t> It has been observed that both adults and children do not perceive humanoid robots as a mechatronic device but attribute to them characteristics similar to those attributed to living organisms (Reeves and Nass, 1998)</a:t>
+            </a:r>
+          </a:p>
+          <a:p>
+            <a:r>
+              <a:t> In scenarios where multiple overlapping sources need to be localized, steered-beamforming methods are employed (Valin et al</a:t>
+            </a:r>
+          </a:p>
+          <a:p>
+            <a:r>
+              <a:t>, The Head Related Transfer Function (HRTF) can be used for modeling the diffraction of sound waves by the robot (Keyrouz, 2008)</a:t>
+            </a:r>
+          </a:p>
+          <a:p>
+            <a:r>
+              <a:t> 2011) and Scattering Theory (Nakadai et al</a:t>
+            </a:r>
+          </a:p>
+          <a:p>
+            <a:r>
+              <a:t>, Moving away from controlled conditions, in this paper we present an acoustic localization system designed for real-world robots and environments</a:t>
+            </a:r>
+          </a:p>
+          <a:p>
+            <a:r>
+              <a:t> Our approach operates along the time dimension and can be readily combined with any localization algorithm</a:t>
+            </a:r>
+          </a:p>
+          <a:p>
+            <a:r>
+              <a:t> A framework for addressing the robot's shape and surface material influence in the acoustic localization is introduced</a:t>
+            </a:r>
+          </a:p>
+          <a:p>
+            <a:r>
+              <a:t> Moreover, it can be applied to any array configuration and has the advantage of a simpler measuring methodology, when compared to the conventional HRTF based approaches</a:t>
+            </a:r>
+          </a:p>
+          <a:p>
+            <a:r>
+              <a:t> The remainder of this paper is organized as follows</a:t>
+            </a:r>
+          </a:p>
+          <a:p>
+            <a:r>
+              <a:t> In Section3, we highlight the influence of the robot's shape and surface material on the acoustic localization and introduce our approach that is based on a pre-measured set of time delays, followed by parabolic interpolation</a:t>
+            </a:r>
+          </a:p>
+          <a:p>
+            <a:r>
+              <a:t> Finally, Section6 concludes this paper and presents an outlook</a:t>
+            </a:r>
+          </a:p>
+          <a:p/>
         </p:txBody>
       </p:sp>
     </p:spTree>
@@ -3553,7 +3617,7 @@
           <a:lstStyle/>
           <a:p>
             <a:r>
-              <a:t>CONCLUSION</a:t>
+              <a:t>BACKGROUND</a:t>
             </a:r>
           </a:p>
         </p:txBody>
@@ -3574,12 +3638,127 @@
           <a:lstStyle/>
           <a:p>
             <a:r>
-              <a:t>\r\n\r\nTo conclude from this study, the synthesis, characterization and cytotoxic effect against MCF-7 cell lines of biosynthesized AgNPs was performed using B</a:t>
-            </a:r>
-          </a:p>
-          <a:p>
-            <a:r>
-              <a:t> cylindrica leaf extract as stabilizer and reductant</a:t>
+              <a:t>We consider a microphone array of M sensors and denote each microphone pair of the array as (m i , m j )</a:t>
+            </a:r>
+          </a:p>
+          <a:p>
+            <a:r>
+              <a:t> We also accept the room to be linear and time invariant</a:t>
+            </a:r>
+          </a:p>
+          <a:p>
+            <a:r>
+              <a:t> A well established method for calculating the TDE for a microphone pair is to locate the highest peak of the GCC function (Knapp and Carter, 1976) (3) r i , j ( n ) = k = 0 K 1 i , j ( k ) X i ( k ) X j * ( k ) e j 2 nk K = k = 0 K 1 i , j ( k ) | X i ( k ) | | X j ( k ) | e j ( X i ( k ) X j ( k ) ) e j 2 nk K where X i (k), X j (k) are the STFTs of the signals x i (n), x j (n) from microphones m i and m j respectively, k is the frequency bin index and (*) denotes complex conjugation</a:t>
+            </a:r>
+          </a:p>
+          <a:p>
+            <a:r>
+              <a:t> In order to examine the role of i,j (k) in deemphasizing frequency components that are expected to contribute unreliable information to the GCC function, let us first assume that no reverberation, nor noise is present and thus let us consider only the direct signal from the sound source to each microphone m i </a:t>
+            </a:r>
+          </a:p>
+          <a:p>
+            <a:r>
+              <a:t> 1) then reduces to x i (n)= a i s(n i ), where a i is an attenuation factor and i is the propagation time (in samples) of the sound wave to each microphone of the array</a:t>
+            </a:r>
+          </a:p>
+          <a:p>
+            <a:r>
+              <a:t> As anticipated, the GCC function has a major peak, while secondary peaks correspond to the periodicity of the voiced speech signal</a:t>
+            </a:r>
+          </a:p>
+          <a:p>
+            <a:r>
+              <a:t> These effects will introduce errors in the TDE</a:t>
+            </a:r>
+          </a:p>
+          <a:p>
+            <a:r>
+              <a:t> Various functions have been proposed in literature</a:t>
+            </a:r>
+          </a:p>
+          <a:p>
+            <a:r>
+              <a:t> In a different approach, the authors of Valin et al</a:t>
+            </a:r>
+          </a:p>
+          <a:p>
+            <a:r>
+              <a:t> ( Several weighting functions, including Eqs</a:t>
+            </a:r>
+          </a:p>
+          <a:p>
+            <a:r>
+              <a:t> ( 6) and (8), require the estimation of the noise's spectral magnitudes | N i ( k ) | from the noisy microphone array signals that are available</a:t>
+            </a:r>
+          </a:p>
+          <a:p>
+            <a:r>
+              <a:t> It is also worth noting that estimating the silent/speech frames in Eq</a:t>
+            </a:r>
+          </a:p>
+          <a:p>
+            <a:r>
+              <a:t> ( These sensors are expected to exhibit non-flat characteristics and their contribution to TDE is not uniform</a:t>
+            </a:r>
+          </a:p>
+          <a:p>
+            <a:r>
+              <a:t> 3 shows the smoothed frequency response (Hatziantoniou and Mourjopoulos, 2000) of NAO's front microphone, measured under the same conditions as a higher quality reference microphone</a:t>
+            </a:r>
+          </a:p>
+          <a:p>
+            <a:r>
+              <a:t> In practice, even if a robot operates within an environment with low ambient noise, a significant amount of self-generated noise, caused by the robot's instruments, is present</a:t>
+            </a:r>
+          </a:p>
+          <a:p>
+            <a:r>
+              <a:t> This rate is ample for most practical applications</a:t>
+            </a:r>
+          </a:p>
+          <a:p>
+            <a:r>
+              <a:t> Unreliable estimates are omitted from the output</a:t>
+            </a:r>
+          </a:p>
+          <a:p>
+            <a:r>
+              <a:t> Hence, the right choice of parameters becomes a very important task</a:t>
+            </a:r>
+          </a:p>
+          <a:p>
+            <a:r>
+              <a:t> The origin of these variations spans from mechanical vibrations to aerodynamic forces causing pressure perturbations</a:t>
+            </a:r>
+          </a:p>
+          <a:p>
+            <a:r>
+              <a:t> 2011; Athanasopoulos and Verhelst, 2013) have shown that many real-world noise types can be modeled as a sum of sinusoids closely satisfying the assumption of sinusoidal stationarity across a number of frames</a:t>
+            </a:r>
+          </a:p>
+          <a:p>
+            <a:r>
+              <a:t> Motivated by the role of the noisy signals phase information in TDE, as highlighted in Section2</a:t>
+            </a:r>
+          </a:p>
+          <a:p>
+            <a:r>
+              <a:t>1</a:t>
+            </a:r>
+          </a:p>
+          <a:p>
+            <a:r>
+              <a:t>3, as well as the fact that the GCC weighting functions already take the spectral magnitude into account, hereafter we look at how a more suitable approximation of the phase information can be derived for enhancing the acoustic localization performance</a:t>
+            </a:r>
+          </a:p>
+          <a:p>
+            <a:r>
+              <a:t> In practical implementations, the reference phase is calculated during non-speech intervals, and it is assumed that the sinusoids remain stationary or are slowly time-varying over a sufficient number of frames during speech intervals</a:t>
+            </a:r>
+          </a:p>
+          <a:p>
+            <a:r>
+              <a:t> 17) to subsequent frames of noisy speech</a:t>
             </a:r>
           </a:p>
           <a:p/>
@@ -3619,7 +3798,7 @@
           <a:lstStyle/>
           <a:p>
             <a:r>
-              <a:t>ACKNOWLEDGMENTS</a:t>
+              <a:t>OVERVIEW</a:t>
             </a:r>
           </a:p>
         </p:txBody>
@@ -3640,17 +3819,358 @@
           <a:lstStyle/>
           <a:p>
             <a:r>
-              <a:t>\r\n\r\nWe are grateful to the Management of J</a:t>
-            </a:r>
-          </a:p>
-          <a:p>
-            <a:r>
-              <a:t>J</a:t>
-            </a:r>
-          </a:p>
-          <a:p>
-            <a:r>
-              <a:t> College of Arts &amp; Science, Pudukkottai, Tamil Nadu, India for providing a Research grant (KVET-RG-2014-BT03) by Karpaga Vinayaga Educational Trust for conduct this work</a:t>
+              <a:t>Direction estimation is concerned with the computation of the location of an acoustic source (i</a:t>
+            </a:r>
+          </a:p>
+          <a:p>
+            <a:r>
+              <a:t>e</a:t>
+            </a:r>
+          </a:p>
+          <a:p>
+            <a:r>
+              <a:t>, azimuth/elevation) from the available TDEs between different microphones, given the array's geometry</a:t>
+            </a:r>
+          </a:p>
+          <a:p>
+            <a:r>
+              <a:t> In order to remove ambiguities, TDEs from different microphone pairs of the array are combined for estimating the direction of arrival of the sound-wave</a:t>
+            </a:r>
+          </a:p>
+          <a:p>
+            <a:r>
+              <a:t> Given N = ( M 2 ) unique microphone pairs and under the far-field assumption, the least-squares estimate s of the source's direction s is found from (20) s = arg min s E ( , s ) where the error criterion is defined as (21) E ( , s ) = l = 1 N ( l T l , s ) 2 </a:t>
+            </a:r>
+          </a:p>
+          <a:p>
+            <a:r>
+              <a:t> Many robotic platforms used in research, e</a:t>
+            </a:r>
+          </a:p>
+          <a:p>
+            <a:r>
+              <a:t>g</a:t>
+            </a:r>
+          </a:p>
+          <a:p>
+            <a:r>
+              <a:t>, (Valin et al</a:t>
+            </a:r>
+          </a:p>
+          <a:p>
+            <a:r>
+              <a:t>, As a result, depending on the acoustic properties of the surface material, the sound wave is scattered and diffracted along the shape of the robot and, as the authors discussed in Athanasopoulos et al</a:t>
+            </a:r>
+          </a:p>
+          <a:p>
+            <a:r>
+              <a:t> ( An advantage of this approach is that a single set of pre-measured time delays can also address cross-channel delays that are not caused by the robot's shape but that are the result of the robot's audio hardware or software (e</a:t>
+            </a:r>
+          </a:p>
+          <a:p>
+            <a:r>
+              <a:t>g</a:t>
+            </a:r>
+          </a:p>
+          <a:p>
+            <a:r>
+              <a:t>, A/D converters, signal pre-filtering, etc</a:t>
+            </a:r>
+          </a:p>
+          <a:p>
+            <a:r>
+              <a:t>)</a:t>
+            </a:r>
+          </a:p>
+          <a:p>
+            <a:r>
+              <a:t> In this approach, a pre-measured set of time delays for each microphone pair l is used as the reference time delay (hereafter denoted as T l , s pm to differentiate it from the analytically calculated reference)</a:t>
+            </a:r>
+          </a:p>
+          <a:p>
+            <a:r>
+              <a:t> Due to the relatively small size of the microphone array used in robots, usually only the direction (azimuth and/or elevation) is estimated and hence for convenience we choose s = 1 </a:t>
+            </a:r>
+          </a:p>
+          <a:p>
+            <a:r>
+              <a:t> The choice for pink over white noise is made in order to avoid overloading the measurement equipment</a:t>
+            </a:r>
+          </a:p>
+          <a:p>
+            <a:r>
+              <a:t> The data are analyzed in frames of 64ms with 50% overlap</a:t>
+            </a:r>
+          </a:p>
+          <a:p>
+            <a:r>
+              <a:t> 7), where 0 and 0 are the location's azimuth and elevation, and E 0 is the corresponding error distance of Eq</a:t>
+            </a:r>
+          </a:p>
+          <a:p>
+            <a:r>
+              <a:t> ( The location of the paraboloid's vertex ( min, min) is found by setting the partial derivatives of Eq</a:t>
+            </a:r>
+          </a:p>
+          <a:p>
+            <a:r>
+              <a:t> ( In realistic scenarios, robots are expected to interact, possibly simultaneously, with several users</a:t>
+            </a:r>
+          </a:p>
+          <a:p>
+            <a:r>
+              <a:t> In the general case above, the search across the location space includes the distance r and therefore the near-field effects might need to be taken into account (Valin et al</a:t>
+            </a:r>
+          </a:p>
+          <a:p>
+            <a:r>
+              <a:t>, In our system, we select local maxima that are not smaller than [0, 1] times the value that corresponds to the dominant source given by Eq</a:t>
+            </a:r>
+          </a:p>
+          <a:p>
+            <a:r>
+              <a:t> ( 2012) where an alternative method is also suggested</a:t>
+            </a:r>
+          </a:p>
+          <a:p>
+            <a:r>
+              <a:t> In robots, a relatively small number of microphone pairs is typically available</a:t>
+            </a:r>
+          </a:p>
+          <a:p>
+            <a:r>
+              <a:t> From the definition of SRP, it is evident that the direction resolution is limited by the size of the search grid (cf</a:t>
+            </a:r>
+          </a:p>
+          <a:p>
+            <a:r>
+              <a:t> Different solutions can be applied (Chen et al</a:t>
+            </a:r>
+          </a:p>
+          <a:p>
+            <a:r>
+              <a:t>, Table 1 presents an overview of how the pre-measured set of TDEs, introduced in Section3</a:t>
+            </a:r>
+          </a:p>
+          <a:p>
+            <a:r>
+              <a:t>2, can be readily combined with the well-established SRP method, and summarizes its implementation in our system</a:t>
+            </a:r>
+          </a:p>
+          <a:p>
+            <a:r>
+              <a:t> Finally, although not in the scope of this work, localization robustness can be further increased by tracking the active sources e</a:t>
+            </a:r>
+          </a:p>
+          <a:p>
+            <a:r>
+              <a:t>g</a:t>
+            </a:r>
+          </a:p>
+          <a:p>
+            <a:r>
+              <a:t>, by utilizing particle filtering (Valin et al</a:t>
+            </a:r>
+          </a:p>
+          <a:p>
+            <a:r>
+              <a:t>, The reflection coefficients are chosen so that different reverberation times (RT 60) are achieved, spanning from non-reverberant (0ms) to mild (120ms), moderate (350ms) and high (580ms)</a:t>
+            </a:r>
+          </a:p>
+          <a:p>
+            <a:r>
+              <a:t> Recorded clean natural speech utterances (20s long, female speaker) are convolved with the computed impulse responses to obtain the reverberant speech</a:t>
+            </a:r>
+          </a:p>
+          <a:p>
+            <a:r>
+              <a:t> The office noise is recorded using an array of omnidirectional microphones</a:t>
+            </a:r>
+          </a:p>
+          <a:p>
+            <a:r>
+              <a:t> The detection of non-speech frames is an important task, not only for performing the TDE, but also as discussed previously for estimating the noise spectral magnitude according to Eq</a:t>
+            </a:r>
+          </a:p>
+          <a:p>
+            <a:r>
+              <a:t> ( Specifically for the evaluation of the modified spectral weighting of Eqs</a:t>
+            </a:r>
+          </a:p>
+          <a:p>
+            <a:r>
+              <a:t> ( 10)(11), the reverberant speech and ambient noise signals are further convolved with the impulse responses of the robot's microphones prior to mixing them with the robot noise</a:t>
+            </a:r>
+          </a:p>
+          <a:p>
+            <a:r>
+              <a:t> Hence, in the scope of this work we opt to study the performance of the TDE without band-limiting the signals</a:t>
+            </a:r>
+          </a:p>
+          <a:p>
+            <a:r>
+              <a:t> The experiments demonstrate the efficiency of the suggested approach, which results in a TDE hit-rate increase of 25</a:t>
+            </a:r>
+          </a:p>
+          <a:p>
+            <a:r>
+              <a:t>4% on average with a variance of 1</a:t>
+            </a:r>
+          </a:p>
+          <a:p>
+            <a:r>
+              <a:t>32% compared to the unsmoothed TDE</a:t>
+            </a:r>
+          </a:p>
+          <a:p>
+            <a:r>
+              <a:t> In this part of the evaluation, we first look at the performance of the proposed direction estimation approach of Section3</a:t>
+            </a:r>
+          </a:p>
+          <a:p>
+            <a:r>
+              <a:t>2, followed by the assessment of the overall acoustic localization system, which we compare with a baseline system</a:t>
+            </a:r>
+          </a:p>
+          <a:p>
+            <a:r>
+              <a:t> The localization system comprises the GCC-MLR of Eq</a:t>
+            </a:r>
+          </a:p>
+          <a:p>
+            <a:r>
+              <a:t> ( The robot was placed in the center of the recording room</a:t>
+            </a:r>
+          </a:p>
+          <a:p>
+            <a:r>
+              <a:t> An example of these four sets, which visually demonstrates the amount of noise in the signals, is shown in Fig</a:t>
+            </a:r>
+          </a:p>
+          <a:p>
+            <a:r>
+              <a:t> 22), as well as the assumption that NAO's head can be approximated as a rigid sphere with the microphones mounted on its surface (Athanasopoulos et al</a:t>
+            </a:r>
+          </a:p>
+          <a:p>
+            <a:r>
+              <a:t>, 16 presents the aggregated localization performance of the baseline system for different source positions and SNR</a:t>
+            </a:r>
+          </a:p>
+          <a:p>
+            <a:r>
+              <a:t> Moreover, we consider two instances of the proposed system, with and without TDE smoothing i</a:t>
+            </a:r>
+          </a:p>
+          <a:p>
+            <a:r>
+              <a:t>e</a:t>
+            </a:r>
+          </a:p>
+          <a:p>
+            <a:r>
+              <a:t>, Eqs</a:t>
+            </a:r>
+          </a:p>
+          <a:p>
+            <a:r>
+              <a:t> ( For consistency, the same parameter values as previously were used in the system</a:t>
+            </a:r>
+          </a:p>
+          <a:p>
+            <a:r>
+              <a:t> One male (A) and one female (B) adult speakers were asked to interact with the robot</a:t>
+            </a:r>
+          </a:p>
+          <a:p>
+            <a:r>
+              <a:t> In this segment, speaker A starts talking</a:t>
+            </a:r>
+          </a:p>
+          <a:p>
+            <a:r>
+              <a:t> After approximately 6s, speaker B also starts talking, and both speakers talk simultaneously for about 11s</a:t>
+            </a:r>
+          </a:p>
+          <a:p>
+            <a:r>
+              <a:t> The relatively few outliers that are still present are primarily due to the low SNR of the robot's microphones (3</a:t>
+            </a:r>
+          </a:p>
+          <a:p>
+            <a:r>
+              <a:t>65dB at the front microphone, measured over the total signal when both speakers are active)</a:t>
+            </a:r>
+          </a:p>
+          <a:p/>
+        </p:txBody>
+      </p:sp>
+    </p:spTree>
+  </p:cSld>
+  <p:clrMapOvr>
+    <a:masterClrMapping/>
+  </p:clrMapOvr>
+</p:sld>
+</file>
+
+<file path=ppt/slides/slide9.xml><?xml version="1.0" encoding="utf-8"?>
+<p:sld xmlns:a="http://schemas.openxmlformats.org/drawingml/2006/main" xmlns:p="http://schemas.openxmlformats.org/presentationml/2006/main" xmlns:r="http://schemas.openxmlformats.org/officeDocument/2006/relationships">
+  <p:cSld>
+    <p:spTree>
+      <p:nvGrpSpPr>
+        <p:cNvPr id="1" name=""/>
+        <p:cNvGrpSpPr/>
+        <p:nvPr/>
+      </p:nvGrpSpPr>
+      <p:grpSpPr/>
+      <p:sp>
+        <p:nvSpPr>
+          <p:cNvPr id="2" name="Title 1"/>
+          <p:cNvSpPr>
+            <a:spLocks noGrp="1"/>
+          </p:cNvSpPr>
+          <p:nvPr>
+            <p:ph type="title"/>
+          </p:nvPr>
+        </p:nvSpPr>
+        <p:spPr/>
+        <p:txBody>
+          <a:bodyPr/>
+          <a:lstStyle/>
+          <a:p>
+            <a:r>
+              <a:t>CONCLUSION</a:t>
+            </a:r>
+          </a:p>
+        </p:txBody>
+      </p:sp>
+      <p:sp>
+        <p:nvSpPr>
+          <p:cNvPr id="3" name="Content Placeholder 2"/>
+          <p:cNvSpPr>
+            <a:spLocks noGrp="1"/>
+          </p:cNvSpPr>
+          <p:nvPr>
+            <p:ph idx="1"/>
+          </p:nvPr>
+        </p:nvSpPr>
+        <p:spPr/>
+        <p:txBody>
+          <a:bodyPr/>
+          <a:lstStyle/>
+          <a:p>
+            <a:r>
+              <a:t>In this paper, we have shared our experience in bridging the gap between developing acoustic localization algorithms for robots in simulated or controlled environments, and deploying them in real-life applications</a:t>
+            </a:r>
+          </a:p>
+          <a:p>
+            <a:r>
+              <a:t> We have also provided a comprehensive overview of the different approaches for addressing multiple speaker acoustic localization for robots under real-world conditions</a:t>
+            </a:r>
+          </a:p>
+          <a:p>
+            <a:r>
+              <a:t> In particular, model-based tracking algorithms such as Kalman and Particle filters contain a smoothing function</a:t>
             </a:r>
           </a:p>
           <a:p/>
